--- a/primeiro modulo/Arte-Digital/Portfolio.pptx
+++ b/primeiro modulo/Arte-Digital/Portfolio.pptx
@@ -9,6 +9,9 @@
     <p:sldId id="257" r:id="rId3"/>
     <p:sldId id="258" r:id="rId4"/>
     <p:sldId id="259" r:id="rId5"/>
+    <p:sldId id="260" r:id="rId6"/>
+    <p:sldId id="261" r:id="rId7"/>
+    <p:sldId id="262" r:id="rId8"/>
   </p:sldIdLst>
   <p:sldSz cx="12192000" cy="6858000"/>
   <p:notesSz cx="6858000" cy="9144000"/>
@@ -310,7 +313,7 @@
           <a:p>
             <a:fld id="{2EC2D826-D74B-4B42-A858-7ECE357C83E9}" type="datetimeFigureOut">
               <a:rPr lang="pt-BR" smtClean="0"/>
-              <a:t>14/09/2017</a:t>
+              <a:t>20/09/2017</a:t>
             </a:fld>
             <a:endParaRPr lang="pt-BR"/>
           </a:p>
@@ -746,7 +749,7 @@
           <a:p>
             <a:fld id="{2EC2D826-D74B-4B42-A858-7ECE357C83E9}" type="datetimeFigureOut">
               <a:rPr lang="pt-BR" smtClean="0"/>
-              <a:t>14/09/2017</a:t>
+              <a:t>20/09/2017</a:t>
             </a:fld>
             <a:endParaRPr lang="pt-BR"/>
           </a:p>
@@ -996,7 +999,7 @@
           <a:p>
             <a:fld id="{2EC2D826-D74B-4B42-A858-7ECE357C83E9}" type="datetimeFigureOut">
               <a:rPr lang="pt-BR" smtClean="0"/>
-              <a:t>14/09/2017</a:t>
+              <a:t>20/09/2017</a:t>
             </a:fld>
             <a:endParaRPr lang="pt-BR"/>
           </a:p>
@@ -1304,7 +1307,7 @@
           <a:p>
             <a:fld id="{2EC2D826-D74B-4B42-A858-7ECE357C83E9}" type="datetimeFigureOut">
               <a:rPr lang="pt-BR" smtClean="0"/>
-              <a:t>14/09/2017</a:t>
+              <a:t>20/09/2017</a:t>
             </a:fld>
             <a:endParaRPr lang="pt-BR"/>
           </a:p>
@@ -1622,7 +1625,7 @@
           <a:p>
             <a:fld id="{2EC2D826-D74B-4B42-A858-7ECE357C83E9}" type="datetimeFigureOut">
               <a:rPr lang="pt-BR" smtClean="0"/>
-              <a:t>14/09/2017</a:t>
+              <a:t>20/09/2017</a:t>
             </a:fld>
             <a:endParaRPr lang="pt-BR"/>
           </a:p>
@@ -1924,7 +1927,7 @@
           <a:p>
             <a:fld id="{2EC2D826-D74B-4B42-A858-7ECE357C83E9}" type="datetimeFigureOut">
               <a:rPr lang="pt-BR" smtClean="0"/>
-              <a:t>14/09/2017</a:t>
+              <a:t>20/09/2017</a:t>
             </a:fld>
             <a:endParaRPr lang="pt-BR"/>
           </a:p>
@@ -2291,7 +2294,7 @@
           <a:p>
             <a:fld id="{2EC2D826-D74B-4B42-A858-7ECE357C83E9}" type="datetimeFigureOut">
               <a:rPr lang="pt-BR" smtClean="0"/>
-              <a:t>14/09/2017</a:t>
+              <a:t>20/09/2017</a:t>
             </a:fld>
             <a:endParaRPr lang="pt-BR"/>
           </a:p>
@@ -2465,7 +2468,7 @@
           <a:p>
             <a:fld id="{2EC2D826-D74B-4B42-A858-7ECE357C83E9}" type="datetimeFigureOut">
               <a:rPr lang="pt-BR" smtClean="0"/>
-              <a:t>14/09/2017</a:t>
+              <a:t>20/09/2017</a:t>
             </a:fld>
             <a:endParaRPr lang="pt-BR"/>
           </a:p>
@@ -2645,7 +2648,7 @@
           <a:p>
             <a:fld id="{2EC2D826-D74B-4B42-A858-7ECE357C83E9}" type="datetimeFigureOut">
               <a:rPr lang="pt-BR" smtClean="0"/>
-              <a:t>14/09/2017</a:t>
+              <a:t>20/09/2017</a:t>
             </a:fld>
             <a:endParaRPr lang="pt-BR"/>
           </a:p>
@@ -2815,7 +2818,7 @@
           <a:p>
             <a:fld id="{2EC2D826-D74B-4B42-A858-7ECE357C83E9}" type="datetimeFigureOut">
               <a:rPr lang="pt-BR" smtClean="0"/>
-              <a:t>14/09/2017</a:t>
+              <a:t>20/09/2017</a:t>
             </a:fld>
             <a:endParaRPr lang="pt-BR"/>
           </a:p>
@@ -3065,7 +3068,7 @@
           <a:p>
             <a:fld id="{2EC2D826-D74B-4B42-A858-7ECE357C83E9}" type="datetimeFigureOut">
               <a:rPr lang="pt-BR" smtClean="0"/>
-              <a:t>14/09/2017</a:t>
+              <a:t>20/09/2017</a:t>
             </a:fld>
             <a:endParaRPr lang="pt-BR"/>
           </a:p>
@@ -3301,7 +3304,7 @@
           <a:p>
             <a:fld id="{2EC2D826-D74B-4B42-A858-7ECE357C83E9}" type="datetimeFigureOut">
               <a:rPr lang="pt-BR" smtClean="0"/>
-              <a:t>14/09/2017</a:t>
+              <a:t>20/09/2017</a:t>
             </a:fld>
             <a:endParaRPr lang="pt-BR"/>
           </a:p>
@@ -3683,7 +3686,7 @@
           <a:p>
             <a:fld id="{2EC2D826-D74B-4B42-A858-7ECE357C83E9}" type="datetimeFigureOut">
               <a:rPr lang="pt-BR" smtClean="0"/>
-              <a:t>14/09/2017</a:t>
+              <a:t>20/09/2017</a:t>
             </a:fld>
             <a:endParaRPr lang="pt-BR"/>
           </a:p>
@@ -3801,7 +3804,7 @@
           <a:p>
             <a:fld id="{2EC2D826-D74B-4B42-A858-7ECE357C83E9}" type="datetimeFigureOut">
               <a:rPr lang="pt-BR" smtClean="0"/>
-              <a:t>14/09/2017</a:t>
+              <a:t>20/09/2017</a:t>
             </a:fld>
             <a:endParaRPr lang="pt-BR"/>
           </a:p>
@@ -3896,7 +3899,7 @@
           <a:p>
             <a:fld id="{2EC2D826-D74B-4B42-A858-7ECE357C83E9}" type="datetimeFigureOut">
               <a:rPr lang="pt-BR" smtClean="0"/>
-              <a:t>14/09/2017</a:t>
+              <a:t>20/09/2017</a:t>
             </a:fld>
             <a:endParaRPr lang="pt-BR"/>
           </a:p>
@@ -4151,7 +4154,7 @@
           <a:p>
             <a:fld id="{2EC2D826-D74B-4B42-A858-7ECE357C83E9}" type="datetimeFigureOut">
               <a:rPr lang="pt-BR" smtClean="0"/>
-              <a:t>14/09/2017</a:t>
+              <a:t>20/09/2017</a:t>
             </a:fld>
             <a:endParaRPr lang="pt-BR"/>
           </a:p>
@@ -4434,7 +4437,7 @@
           <a:p>
             <a:fld id="{2EC2D826-D74B-4B42-A858-7ECE357C83E9}" type="datetimeFigureOut">
               <a:rPr lang="pt-BR" smtClean="0"/>
-              <a:t>14/09/2017</a:t>
+              <a:t>20/09/2017</a:t>
             </a:fld>
             <a:endParaRPr lang="pt-BR"/>
           </a:p>
@@ -4840,7 +4843,7 @@
           <a:p>
             <a:fld id="{2EC2D826-D74B-4B42-A858-7ECE357C83E9}" type="datetimeFigureOut">
               <a:rPr lang="pt-BR" smtClean="0"/>
-              <a:t>14/09/2017</a:t>
+              <a:t>20/09/2017</a:t>
             </a:fld>
             <a:endParaRPr lang="pt-BR"/>
           </a:p>
@@ -6020,6 +6023,527 @@
 </p:sld>
 </file>
 
+<file path=ppt/slides/slide5.xml><?xml version="1.0" encoding="utf-8"?>
+<p:sld xmlns:a="http://schemas.openxmlformats.org/drawingml/2006/main" xmlns:r="http://schemas.openxmlformats.org/officeDocument/2006/relationships" xmlns:p="http://schemas.openxmlformats.org/presentationml/2006/main">
+  <p:cSld>
+    <p:spTree>
+      <p:nvGrpSpPr>
+        <p:cNvPr id="1" name=""/>
+        <p:cNvGrpSpPr/>
+        <p:nvPr/>
+      </p:nvGrpSpPr>
+      <p:grpSpPr>
+        <a:xfrm>
+          <a:off x="0" y="0"/>
+          <a:ext cx="0" cy="0"/>
+          <a:chOff x="0" y="0"/>
+          <a:chExt cx="0" cy="0"/>
+        </a:xfrm>
+      </p:grpSpPr>
+      <p:pic>
+        <p:nvPicPr>
+          <p:cNvPr id="5" name="Imagem 4">
+            <a:extLst>
+              <a:ext uri="{FF2B5EF4-FFF2-40B4-BE49-F238E27FC236}">
+                <a16:creationId xmlns:a16="http://schemas.microsoft.com/office/drawing/2014/main" id="{E22F978E-3E1E-4A2C-9994-046CAA234231}"/>
+              </a:ext>
+            </a:extLst>
+          </p:cNvPr>
+          <p:cNvPicPr>
+            <a:picLocks noChangeAspect="1"/>
+          </p:cNvPicPr>
+          <p:nvPr/>
+        </p:nvPicPr>
+        <p:blipFill>
+          <a:blip r:embed="rId2">
+            <a:extLst>
+              <a:ext uri="{28A0092B-C50C-407E-A947-70E740481C1C}">
+                <a14:useLocalDpi xmlns:a14="http://schemas.microsoft.com/office/drawing/2010/main" val="0"/>
+              </a:ext>
+            </a:extLst>
+          </a:blip>
+          <a:stretch>
+            <a:fillRect/>
+          </a:stretch>
+        </p:blipFill>
+        <p:spPr>
+          <a:xfrm>
+            <a:off x="3708573" y="0"/>
+            <a:ext cx="4774853" cy="6858000"/>
+          </a:xfrm>
+          <a:prstGeom prst="rect">
+            <a:avLst/>
+          </a:prstGeom>
+        </p:spPr>
+      </p:pic>
+      <p:sp>
+        <p:nvSpPr>
+          <p:cNvPr id="6" name="CaixaDeTexto 5">
+            <a:extLst>
+              <a:ext uri="{FF2B5EF4-FFF2-40B4-BE49-F238E27FC236}">
+                <a16:creationId xmlns:a16="http://schemas.microsoft.com/office/drawing/2014/main" id="{AC3BCB20-EFAB-4BE8-AD06-39F22F48D95C}"/>
+              </a:ext>
+            </a:extLst>
+          </p:cNvPr>
+          <p:cNvSpPr txBox="1"/>
+          <p:nvPr/>
+        </p:nvSpPr>
+        <p:spPr>
+          <a:xfrm>
+            <a:off x="609599" y="1855304"/>
+            <a:ext cx="2372140" cy="1477328"/>
+          </a:xfrm>
+          <a:prstGeom prst="rect">
+            <a:avLst/>
+          </a:prstGeom>
+          <a:noFill/>
+        </p:spPr>
+        <p:txBody>
+          <a:bodyPr wrap="square" rtlCol="0">
+            <a:spAutoFit/>
+          </a:bodyPr>
+          <a:lstStyle/>
+          <a:p>
+            <a:pPr marL="285750" indent="-285750">
+              <a:buFont typeface="Wingdings" panose="05000000000000000000" pitchFamily="2" charset="2"/>
+              <a:buChar char="Ø"/>
+            </a:pPr>
+            <a:r>
+              <a:rPr lang="pt-BR" dirty="0" err="1"/>
+              <a:t>Bézier</a:t>
+            </a:r>
+            <a:endParaRPr lang="pt-BR" dirty="0"/>
+          </a:p>
+          <a:p>
+            <a:pPr marL="285750" indent="-285750">
+              <a:buFont typeface="Wingdings" panose="05000000000000000000" pitchFamily="2" charset="2"/>
+              <a:buChar char="Ø"/>
+            </a:pPr>
+            <a:r>
+              <a:rPr lang="pt-BR" dirty="0"/>
+              <a:t>Ferramenta de preenchimento</a:t>
+            </a:r>
+          </a:p>
+          <a:p>
+            <a:pPr marL="285750" indent="-285750">
+              <a:buFont typeface="Wingdings" panose="05000000000000000000" pitchFamily="2" charset="2"/>
+              <a:buChar char="Ø"/>
+            </a:pPr>
+            <a:endParaRPr lang="pt-BR" dirty="0"/>
+          </a:p>
+          <a:p>
+            <a:pPr marL="285750" indent="-285750">
+              <a:buFont typeface="Wingdings" panose="05000000000000000000" pitchFamily="2" charset="2"/>
+              <a:buChar char="Ø"/>
+            </a:pPr>
+            <a:endParaRPr lang="pt-BR" dirty="0"/>
+          </a:p>
+        </p:txBody>
+      </p:sp>
+      <p:sp>
+        <p:nvSpPr>
+          <p:cNvPr id="7" name="CaixaDeTexto 6">
+            <a:extLst>
+              <a:ext uri="{FF2B5EF4-FFF2-40B4-BE49-F238E27FC236}">
+                <a16:creationId xmlns:a16="http://schemas.microsoft.com/office/drawing/2014/main" id="{5183653A-92A7-49FE-9079-7027FEAAED5C}"/>
+              </a:ext>
+            </a:extLst>
+          </p:cNvPr>
+          <p:cNvSpPr txBox="1"/>
+          <p:nvPr/>
+        </p:nvSpPr>
+        <p:spPr>
+          <a:xfrm>
+            <a:off x="450574" y="702365"/>
+            <a:ext cx="4055166" cy="400110"/>
+          </a:xfrm>
+          <a:prstGeom prst="rect">
+            <a:avLst/>
+          </a:prstGeom>
+          <a:noFill/>
+        </p:spPr>
+        <p:txBody>
+          <a:bodyPr wrap="square" rtlCol="0">
+            <a:spAutoFit/>
+          </a:bodyPr>
+          <a:lstStyle/>
+          <a:p>
+            <a:r>
+              <a:rPr lang="pt-BR" sz="2000" b="1" dirty="0">
+                <a:latin typeface="Arial" panose="020B0604020202020204" pitchFamily="34" charset="0"/>
+                <a:cs typeface="Arial" panose="020B0604020202020204" pitchFamily="34" charset="0"/>
+              </a:rPr>
+              <a:t>4° Logo Carrefour</a:t>
+            </a:r>
+          </a:p>
+        </p:txBody>
+      </p:sp>
+    </p:spTree>
+    <p:extLst>
+      <p:ext uri="{BB962C8B-B14F-4D97-AF65-F5344CB8AC3E}">
+        <p14:creationId xmlns:p14="http://schemas.microsoft.com/office/powerpoint/2010/main" val="3745649764"/>
+      </p:ext>
+    </p:extLst>
+  </p:cSld>
+  <p:clrMapOvr>
+    <a:masterClrMapping/>
+  </p:clrMapOvr>
+</p:sld>
+</file>
+
+<file path=ppt/slides/slide6.xml><?xml version="1.0" encoding="utf-8"?>
+<p:sld xmlns:a="http://schemas.openxmlformats.org/drawingml/2006/main" xmlns:r="http://schemas.openxmlformats.org/officeDocument/2006/relationships" xmlns:p="http://schemas.openxmlformats.org/presentationml/2006/main">
+  <p:cSld>
+    <p:spTree>
+      <p:nvGrpSpPr>
+        <p:cNvPr id="1" name=""/>
+        <p:cNvGrpSpPr/>
+        <p:nvPr/>
+      </p:nvGrpSpPr>
+      <p:grpSpPr>
+        <a:xfrm>
+          <a:off x="0" y="0"/>
+          <a:ext cx="0" cy="0"/>
+          <a:chOff x="0" y="0"/>
+          <a:chExt cx="0" cy="0"/>
+        </a:xfrm>
+      </p:grpSpPr>
+      <p:pic>
+        <p:nvPicPr>
+          <p:cNvPr id="5" name="Imagem 4">
+            <a:extLst>
+              <a:ext uri="{FF2B5EF4-FFF2-40B4-BE49-F238E27FC236}">
+                <a16:creationId xmlns:a16="http://schemas.microsoft.com/office/drawing/2014/main" id="{B72CD8D8-0D2E-453F-9F4E-DA68EC6C4765}"/>
+              </a:ext>
+            </a:extLst>
+          </p:cNvPr>
+          <p:cNvPicPr>
+            <a:picLocks noChangeAspect="1"/>
+          </p:cNvPicPr>
+          <p:nvPr/>
+        </p:nvPicPr>
+        <p:blipFill>
+          <a:blip r:embed="rId2">
+            <a:extLst>
+              <a:ext uri="{28A0092B-C50C-407E-A947-70E740481C1C}">
+                <a14:useLocalDpi xmlns:a14="http://schemas.microsoft.com/office/drawing/2010/main" val="0"/>
+              </a:ext>
+            </a:extLst>
+          </a:blip>
+          <a:stretch>
+            <a:fillRect/>
+          </a:stretch>
+        </p:blipFill>
+        <p:spPr>
+          <a:xfrm>
+            <a:off x="2533964" y="0"/>
+            <a:ext cx="7124072" cy="6858000"/>
+          </a:xfrm>
+          <a:prstGeom prst="rect">
+            <a:avLst/>
+          </a:prstGeom>
+        </p:spPr>
+      </p:pic>
+      <p:sp>
+        <p:nvSpPr>
+          <p:cNvPr id="6" name="CaixaDeTexto 5">
+            <a:extLst>
+              <a:ext uri="{FF2B5EF4-FFF2-40B4-BE49-F238E27FC236}">
+                <a16:creationId xmlns:a16="http://schemas.microsoft.com/office/drawing/2014/main" id="{D7CA787F-0499-4252-9954-651A64A0304E}"/>
+              </a:ext>
+            </a:extLst>
+          </p:cNvPr>
+          <p:cNvSpPr txBox="1"/>
+          <p:nvPr/>
+        </p:nvSpPr>
+        <p:spPr>
+          <a:xfrm>
+            <a:off x="609599" y="1855304"/>
+            <a:ext cx="2372140" cy="1477328"/>
+          </a:xfrm>
+          <a:prstGeom prst="rect">
+            <a:avLst/>
+          </a:prstGeom>
+          <a:noFill/>
+        </p:spPr>
+        <p:txBody>
+          <a:bodyPr wrap="square" rtlCol="0">
+            <a:spAutoFit/>
+          </a:bodyPr>
+          <a:lstStyle/>
+          <a:p>
+            <a:pPr marL="285750" indent="-285750">
+              <a:buFont typeface="Wingdings" panose="05000000000000000000" pitchFamily="2" charset="2"/>
+              <a:buChar char="Ø"/>
+            </a:pPr>
+            <a:r>
+              <a:rPr lang="pt-BR" dirty="0" err="1"/>
+              <a:t>Bézier</a:t>
+            </a:r>
+            <a:endParaRPr lang="pt-BR" dirty="0"/>
+          </a:p>
+          <a:p>
+            <a:pPr marL="285750" indent="-285750">
+              <a:buFont typeface="Wingdings" panose="05000000000000000000" pitchFamily="2" charset="2"/>
+              <a:buChar char="Ø"/>
+            </a:pPr>
+            <a:r>
+              <a:rPr lang="pt-BR" dirty="0"/>
+              <a:t>Ferramenta de preenchimento</a:t>
+            </a:r>
+          </a:p>
+          <a:p>
+            <a:pPr marL="285750" indent="-285750">
+              <a:buFont typeface="Wingdings" panose="05000000000000000000" pitchFamily="2" charset="2"/>
+              <a:buChar char="Ø"/>
+            </a:pPr>
+            <a:endParaRPr lang="pt-BR" dirty="0"/>
+          </a:p>
+          <a:p>
+            <a:pPr marL="285750" indent="-285750">
+              <a:buFont typeface="Wingdings" panose="05000000000000000000" pitchFamily="2" charset="2"/>
+              <a:buChar char="Ø"/>
+            </a:pPr>
+            <a:endParaRPr lang="pt-BR" dirty="0"/>
+          </a:p>
+        </p:txBody>
+      </p:sp>
+      <p:sp>
+        <p:nvSpPr>
+          <p:cNvPr id="7" name="CaixaDeTexto 6">
+            <a:extLst>
+              <a:ext uri="{FF2B5EF4-FFF2-40B4-BE49-F238E27FC236}">
+                <a16:creationId xmlns:a16="http://schemas.microsoft.com/office/drawing/2014/main" id="{FF461530-ADE5-4F97-9AEC-E9CD4792EEEB}"/>
+              </a:ext>
+            </a:extLst>
+          </p:cNvPr>
+          <p:cNvSpPr txBox="1"/>
+          <p:nvPr/>
+        </p:nvSpPr>
+        <p:spPr>
+          <a:xfrm>
+            <a:off x="450574" y="702365"/>
+            <a:ext cx="4055166" cy="400110"/>
+          </a:xfrm>
+          <a:prstGeom prst="rect">
+            <a:avLst/>
+          </a:prstGeom>
+          <a:noFill/>
+        </p:spPr>
+        <p:txBody>
+          <a:bodyPr wrap="square" rtlCol="0">
+            <a:spAutoFit/>
+          </a:bodyPr>
+          <a:lstStyle/>
+          <a:p>
+            <a:r>
+              <a:rPr lang="pt-BR" sz="2000" b="1" dirty="0">
+                <a:latin typeface="Arial" panose="020B0604020202020204" pitchFamily="34" charset="0"/>
+                <a:cs typeface="Arial" panose="020B0604020202020204" pitchFamily="34" charset="0"/>
+              </a:rPr>
+              <a:t>5° Logo Bradesco</a:t>
+            </a:r>
+          </a:p>
+        </p:txBody>
+      </p:sp>
+    </p:spTree>
+    <p:extLst>
+      <p:ext uri="{BB962C8B-B14F-4D97-AF65-F5344CB8AC3E}">
+        <p14:creationId xmlns:p14="http://schemas.microsoft.com/office/powerpoint/2010/main" val="1291727413"/>
+      </p:ext>
+    </p:extLst>
+  </p:cSld>
+  <p:clrMapOvr>
+    <a:masterClrMapping/>
+  </p:clrMapOvr>
+</p:sld>
+</file>
+
+<file path=ppt/slides/slide7.xml><?xml version="1.0" encoding="utf-8"?>
+<p:sld xmlns:a="http://schemas.openxmlformats.org/drawingml/2006/main" xmlns:r="http://schemas.openxmlformats.org/officeDocument/2006/relationships" xmlns:p="http://schemas.openxmlformats.org/presentationml/2006/main">
+  <p:cSld>
+    <p:spTree>
+      <p:nvGrpSpPr>
+        <p:cNvPr id="1" name=""/>
+        <p:cNvGrpSpPr/>
+        <p:nvPr/>
+      </p:nvGrpSpPr>
+      <p:grpSpPr>
+        <a:xfrm>
+          <a:off x="0" y="0"/>
+          <a:ext cx="0" cy="0"/>
+          <a:chOff x="0" y="0"/>
+          <a:chExt cx="0" cy="0"/>
+        </a:xfrm>
+      </p:grpSpPr>
+      <p:pic>
+        <p:nvPicPr>
+          <p:cNvPr id="5" name="Imagem 4">
+            <a:extLst>
+              <a:ext uri="{FF2B5EF4-FFF2-40B4-BE49-F238E27FC236}">
+                <a16:creationId xmlns:a16="http://schemas.microsoft.com/office/drawing/2014/main" id="{5528A530-D789-440E-BDC4-D2102E3F2353}"/>
+              </a:ext>
+            </a:extLst>
+          </p:cNvPr>
+          <p:cNvPicPr>
+            <a:picLocks noChangeAspect="1"/>
+          </p:cNvPicPr>
+          <p:nvPr/>
+        </p:nvPicPr>
+        <p:blipFill>
+          <a:blip r:embed="rId2">
+            <a:extLst>
+              <a:ext uri="{28A0092B-C50C-407E-A947-70E740481C1C}">
+                <a14:useLocalDpi xmlns:a14="http://schemas.microsoft.com/office/drawing/2010/main" val="0"/>
+              </a:ext>
+            </a:extLst>
+          </a:blip>
+          <a:stretch>
+            <a:fillRect/>
+          </a:stretch>
+        </p:blipFill>
+        <p:spPr>
+          <a:xfrm>
+            <a:off x="4100140" y="825417"/>
+            <a:ext cx="5257811" cy="5038354"/>
+          </a:xfrm>
+          <a:prstGeom prst="rect">
+            <a:avLst/>
+          </a:prstGeom>
+        </p:spPr>
+      </p:pic>
+      <p:sp>
+        <p:nvSpPr>
+          <p:cNvPr id="6" name="CaixaDeTexto 5">
+            <a:extLst>
+              <a:ext uri="{FF2B5EF4-FFF2-40B4-BE49-F238E27FC236}">
+                <a16:creationId xmlns:a16="http://schemas.microsoft.com/office/drawing/2014/main" id="{F4CF12F5-A802-4341-8ABF-F026B6D9B7A7}"/>
+              </a:ext>
+            </a:extLst>
+          </p:cNvPr>
+          <p:cNvSpPr txBox="1"/>
+          <p:nvPr/>
+        </p:nvSpPr>
+        <p:spPr>
+          <a:xfrm>
+            <a:off x="450574" y="702365"/>
+            <a:ext cx="4055166" cy="400110"/>
+          </a:xfrm>
+          <a:prstGeom prst="rect">
+            <a:avLst/>
+          </a:prstGeom>
+          <a:noFill/>
+        </p:spPr>
+        <p:txBody>
+          <a:bodyPr wrap="square" rtlCol="0">
+            <a:spAutoFit/>
+          </a:bodyPr>
+          <a:lstStyle/>
+          <a:p>
+            <a:r>
+              <a:rPr lang="pt-BR" sz="2000" b="1" dirty="0">
+                <a:latin typeface="Arial" panose="020B0604020202020204" pitchFamily="34" charset="0"/>
+                <a:cs typeface="Arial" panose="020B0604020202020204" pitchFamily="34" charset="0"/>
+              </a:rPr>
+              <a:t>6° Jarra</a:t>
+            </a:r>
+          </a:p>
+        </p:txBody>
+      </p:sp>
+      <p:sp>
+        <p:nvSpPr>
+          <p:cNvPr id="7" name="CaixaDeTexto 6">
+            <a:extLst>
+              <a:ext uri="{FF2B5EF4-FFF2-40B4-BE49-F238E27FC236}">
+                <a16:creationId xmlns:a16="http://schemas.microsoft.com/office/drawing/2014/main" id="{62D1D5EA-D5F0-4779-B575-F3416DEAFF3D}"/>
+              </a:ext>
+            </a:extLst>
+          </p:cNvPr>
+          <p:cNvSpPr txBox="1"/>
+          <p:nvPr/>
+        </p:nvSpPr>
+        <p:spPr>
+          <a:xfrm>
+            <a:off x="609599" y="1855304"/>
+            <a:ext cx="2372140" cy="2031325"/>
+          </a:xfrm>
+          <a:prstGeom prst="rect">
+            <a:avLst/>
+          </a:prstGeom>
+          <a:noFill/>
+        </p:spPr>
+        <p:txBody>
+          <a:bodyPr wrap="square" rtlCol="0">
+            <a:spAutoFit/>
+          </a:bodyPr>
+          <a:lstStyle/>
+          <a:p>
+            <a:pPr marL="285750" indent="-285750">
+              <a:buFont typeface="Wingdings" panose="05000000000000000000" pitchFamily="2" charset="2"/>
+              <a:buChar char="Ø"/>
+            </a:pPr>
+            <a:r>
+              <a:rPr lang="pt-BR" dirty="0" err="1"/>
+              <a:t>Bézier</a:t>
+            </a:r>
+            <a:endParaRPr lang="pt-BR" dirty="0"/>
+          </a:p>
+          <a:p>
+            <a:pPr marL="285750" indent="-285750">
+              <a:buFont typeface="Wingdings" panose="05000000000000000000" pitchFamily="2" charset="2"/>
+              <a:buChar char="Ø"/>
+            </a:pPr>
+            <a:r>
+              <a:rPr lang="pt-BR" dirty="0"/>
+              <a:t>Elipse</a:t>
+            </a:r>
+          </a:p>
+          <a:p>
+            <a:pPr marL="285750" indent="-285750">
+              <a:buFont typeface="Wingdings" panose="05000000000000000000" pitchFamily="2" charset="2"/>
+              <a:buChar char="Ø"/>
+            </a:pPr>
+            <a:r>
+              <a:rPr lang="pt-BR" dirty="0"/>
+              <a:t>Ferramenta de preenchimento</a:t>
+            </a:r>
+          </a:p>
+          <a:p>
+            <a:pPr marL="285750" indent="-285750">
+              <a:buFont typeface="Wingdings" panose="05000000000000000000" pitchFamily="2" charset="2"/>
+              <a:buChar char="Ø"/>
+            </a:pPr>
+            <a:endParaRPr lang="pt-BR" dirty="0"/>
+          </a:p>
+          <a:p>
+            <a:pPr marL="285750" indent="-285750">
+              <a:buFont typeface="Wingdings" panose="05000000000000000000" pitchFamily="2" charset="2"/>
+              <a:buChar char="Ø"/>
+            </a:pPr>
+            <a:endParaRPr lang="pt-BR" dirty="0"/>
+          </a:p>
+          <a:p>
+            <a:pPr marL="285750" indent="-285750">
+              <a:buFont typeface="Wingdings" panose="05000000000000000000" pitchFamily="2" charset="2"/>
+              <a:buChar char="Ø"/>
+            </a:pPr>
+            <a:endParaRPr lang="pt-BR" dirty="0"/>
+          </a:p>
+        </p:txBody>
+      </p:sp>
+    </p:spTree>
+    <p:extLst>
+      <p:ext uri="{BB962C8B-B14F-4D97-AF65-F5344CB8AC3E}">
+        <p14:creationId xmlns:p14="http://schemas.microsoft.com/office/powerpoint/2010/main" val="416215993"/>
+      </p:ext>
+    </p:extLst>
+  </p:cSld>
+  <p:clrMapOvr>
+    <a:masterClrMapping/>
+  </p:clrMapOvr>
+</p:sld>
+</file>
+
 <file path=ppt/theme/theme1.xml><?xml version="1.0" encoding="utf-8"?>
 <a:theme xmlns:a="http://schemas.openxmlformats.org/drawingml/2006/main" name="Fatia">
   <a:themeElements>

--- a/primeiro modulo/Arte-Digital/Portfolio.pptx
+++ b/primeiro modulo/Arte-Digital/Portfolio.pptx
@@ -313,7 +313,7 @@
           <a:p>
             <a:fld id="{2EC2D826-D74B-4B42-A858-7ECE357C83E9}" type="datetimeFigureOut">
               <a:rPr lang="pt-BR" smtClean="0"/>
-              <a:t>20/09/2017</a:t>
+              <a:t>21/09/2017</a:t>
             </a:fld>
             <a:endParaRPr lang="pt-BR"/>
           </a:p>
@@ -749,7 +749,7 @@
           <a:p>
             <a:fld id="{2EC2D826-D74B-4B42-A858-7ECE357C83E9}" type="datetimeFigureOut">
               <a:rPr lang="pt-BR" smtClean="0"/>
-              <a:t>20/09/2017</a:t>
+              <a:t>21/09/2017</a:t>
             </a:fld>
             <a:endParaRPr lang="pt-BR"/>
           </a:p>
@@ -999,7 +999,7 @@
           <a:p>
             <a:fld id="{2EC2D826-D74B-4B42-A858-7ECE357C83E9}" type="datetimeFigureOut">
               <a:rPr lang="pt-BR" smtClean="0"/>
-              <a:t>20/09/2017</a:t>
+              <a:t>21/09/2017</a:t>
             </a:fld>
             <a:endParaRPr lang="pt-BR"/>
           </a:p>
@@ -1307,7 +1307,7 @@
           <a:p>
             <a:fld id="{2EC2D826-D74B-4B42-A858-7ECE357C83E9}" type="datetimeFigureOut">
               <a:rPr lang="pt-BR" smtClean="0"/>
-              <a:t>20/09/2017</a:t>
+              <a:t>21/09/2017</a:t>
             </a:fld>
             <a:endParaRPr lang="pt-BR"/>
           </a:p>
@@ -1625,7 +1625,7 @@
           <a:p>
             <a:fld id="{2EC2D826-D74B-4B42-A858-7ECE357C83E9}" type="datetimeFigureOut">
               <a:rPr lang="pt-BR" smtClean="0"/>
-              <a:t>20/09/2017</a:t>
+              <a:t>21/09/2017</a:t>
             </a:fld>
             <a:endParaRPr lang="pt-BR"/>
           </a:p>
@@ -1927,7 +1927,7 @@
           <a:p>
             <a:fld id="{2EC2D826-D74B-4B42-A858-7ECE357C83E9}" type="datetimeFigureOut">
               <a:rPr lang="pt-BR" smtClean="0"/>
-              <a:t>20/09/2017</a:t>
+              <a:t>21/09/2017</a:t>
             </a:fld>
             <a:endParaRPr lang="pt-BR"/>
           </a:p>
@@ -2294,7 +2294,7 @@
           <a:p>
             <a:fld id="{2EC2D826-D74B-4B42-A858-7ECE357C83E9}" type="datetimeFigureOut">
               <a:rPr lang="pt-BR" smtClean="0"/>
-              <a:t>20/09/2017</a:t>
+              <a:t>21/09/2017</a:t>
             </a:fld>
             <a:endParaRPr lang="pt-BR"/>
           </a:p>
@@ -2468,7 +2468,7 @@
           <a:p>
             <a:fld id="{2EC2D826-D74B-4B42-A858-7ECE357C83E9}" type="datetimeFigureOut">
               <a:rPr lang="pt-BR" smtClean="0"/>
-              <a:t>20/09/2017</a:t>
+              <a:t>21/09/2017</a:t>
             </a:fld>
             <a:endParaRPr lang="pt-BR"/>
           </a:p>
@@ -2648,7 +2648,7 @@
           <a:p>
             <a:fld id="{2EC2D826-D74B-4B42-A858-7ECE357C83E9}" type="datetimeFigureOut">
               <a:rPr lang="pt-BR" smtClean="0"/>
-              <a:t>20/09/2017</a:t>
+              <a:t>21/09/2017</a:t>
             </a:fld>
             <a:endParaRPr lang="pt-BR"/>
           </a:p>
@@ -2818,7 +2818,7 @@
           <a:p>
             <a:fld id="{2EC2D826-D74B-4B42-A858-7ECE357C83E9}" type="datetimeFigureOut">
               <a:rPr lang="pt-BR" smtClean="0"/>
-              <a:t>20/09/2017</a:t>
+              <a:t>21/09/2017</a:t>
             </a:fld>
             <a:endParaRPr lang="pt-BR"/>
           </a:p>
@@ -3068,7 +3068,7 @@
           <a:p>
             <a:fld id="{2EC2D826-D74B-4B42-A858-7ECE357C83E9}" type="datetimeFigureOut">
               <a:rPr lang="pt-BR" smtClean="0"/>
-              <a:t>20/09/2017</a:t>
+              <a:t>21/09/2017</a:t>
             </a:fld>
             <a:endParaRPr lang="pt-BR"/>
           </a:p>
@@ -3304,7 +3304,7 @@
           <a:p>
             <a:fld id="{2EC2D826-D74B-4B42-A858-7ECE357C83E9}" type="datetimeFigureOut">
               <a:rPr lang="pt-BR" smtClean="0"/>
-              <a:t>20/09/2017</a:t>
+              <a:t>21/09/2017</a:t>
             </a:fld>
             <a:endParaRPr lang="pt-BR"/>
           </a:p>
@@ -3686,7 +3686,7 @@
           <a:p>
             <a:fld id="{2EC2D826-D74B-4B42-A858-7ECE357C83E9}" type="datetimeFigureOut">
               <a:rPr lang="pt-BR" smtClean="0"/>
-              <a:t>20/09/2017</a:t>
+              <a:t>21/09/2017</a:t>
             </a:fld>
             <a:endParaRPr lang="pt-BR"/>
           </a:p>
@@ -3804,7 +3804,7 @@
           <a:p>
             <a:fld id="{2EC2D826-D74B-4B42-A858-7ECE357C83E9}" type="datetimeFigureOut">
               <a:rPr lang="pt-BR" smtClean="0"/>
-              <a:t>20/09/2017</a:t>
+              <a:t>21/09/2017</a:t>
             </a:fld>
             <a:endParaRPr lang="pt-BR"/>
           </a:p>
@@ -3899,7 +3899,7 @@
           <a:p>
             <a:fld id="{2EC2D826-D74B-4B42-A858-7ECE357C83E9}" type="datetimeFigureOut">
               <a:rPr lang="pt-BR" smtClean="0"/>
-              <a:t>20/09/2017</a:t>
+              <a:t>21/09/2017</a:t>
             </a:fld>
             <a:endParaRPr lang="pt-BR"/>
           </a:p>
@@ -4154,7 +4154,7 @@
           <a:p>
             <a:fld id="{2EC2D826-D74B-4B42-A858-7ECE357C83E9}" type="datetimeFigureOut">
               <a:rPr lang="pt-BR" smtClean="0"/>
-              <a:t>20/09/2017</a:t>
+              <a:t>21/09/2017</a:t>
             </a:fld>
             <a:endParaRPr lang="pt-BR"/>
           </a:p>
@@ -4437,7 +4437,7 @@
           <a:p>
             <a:fld id="{2EC2D826-D74B-4B42-A858-7ECE357C83E9}" type="datetimeFigureOut">
               <a:rPr lang="pt-BR" smtClean="0"/>
-              <a:t>20/09/2017</a:t>
+              <a:t>21/09/2017</a:t>
             </a:fld>
             <a:endParaRPr lang="pt-BR"/>
           </a:p>
@@ -4843,7 +4843,7 @@
           <a:p>
             <a:fld id="{2EC2D826-D74B-4B42-A858-7ECE357C83E9}" type="datetimeFigureOut">
               <a:rPr lang="pt-BR" smtClean="0"/>
-              <a:t>20/09/2017</a:t>
+              <a:t>21/09/2017</a:t>
             </a:fld>
             <a:endParaRPr lang="pt-BR"/>
           </a:p>
@@ -6376,12 +6376,131 @@
           <a:chExt cx="0" cy="0"/>
         </a:xfrm>
       </p:grpSpPr>
+      <p:sp>
+        <p:nvSpPr>
+          <p:cNvPr id="6" name="CaixaDeTexto 5">
+            <a:extLst>
+              <a:ext uri="{FF2B5EF4-FFF2-40B4-BE49-F238E27FC236}">
+                <a16:creationId xmlns:a16="http://schemas.microsoft.com/office/drawing/2014/main" id="{F4CF12F5-A802-4341-8ABF-F026B6D9B7A7}"/>
+              </a:ext>
+            </a:extLst>
+          </p:cNvPr>
+          <p:cNvSpPr txBox="1"/>
+          <p:nvPr/>
+        </p:nvSpPr>
+        <p:spPr>
+          <a:xfrm>
+            <a:off x="450574" y="702365"/>
+            <a:ext cx="4055166" cy="400110"/>
+          </a:xfrm>
+          <a:prstGeom prst="rect">
+            <a:avLst/>
+          </a:prstGeom>
+          <a:noFill/>
+        </p:spPr>
+        <p:txBody>
+          <a:bodyPr wrap="square" rtlCol="0">
+            <a:spAutoFit/>
+          </a:bodyPr>
+          <a:lstStyle/>
+          <a:p>
+            <a:r>
+              <a:rPr lang="pt-BR" sz="2000" b="1" dirty="0">
+                <a:latin typeface="Arial" panose="020B0604020202020204" pitchFamily="34" charset="0"/>
+                <a:cs typeface="Arial" panose="020B0604020202020204" pitchFamily="34" charset="0"/>
+              </a:rPr>
+              <a:t>6° Jarra</a:t>
+            </a:r>
+          </a:p>
+        </p:txBody>
+      </p:sp>
+      <p:sp>
+        <p:nvSpPr>
+          <p:cNvPr id="7" name="CaixaDeTexto 6">
+            <a:extLst>
+              <a:ext uri="{FF2B5EF4-FFF2-40B4-BE49-F238E27FC236}">
+                <a16:creationId xmlns:a16="http://schemas.microsoft.com/office/drawing/2014/main" id="{62D1D5EA-D5F0-4779-B575-F3416DEAFF3D}"/>
+              </a:ext>
+            </a:extLst>
+          </p:cNvPr>
+          <p:cNvSpPr txBox="1"/>
+          <p:nvPr/>
+        </p:nvSpPr>
+        <p:spPr>
+          <a:xfrm>
+            <a:off x="609599" y="1855304"/>
+            <a:ext cx="2372140" cy="2031325"/>
+          </a:xfrm>
+          <a:prstGeom prst="rect">
+            <a:avLst/>
+          </a:prstGeom>
+          <a:noFill/>
+        </p:spPr>
+        <p:txBody>
+          <a:bodyPr wrap="square" rtlCol="0">
+            <a:spAutoFit/>
+          </a:bodyPr>
+          <a:lstStyle/>
+          <a:p>
+            <a:pPr marL="285750" indent="-285750">
+              <a:buFont typeface="Wingdings" panose="05000000000000000000" pitchFamily="2" charset="2"/>
+              <a:buChar char="Ø"/>
+            </a:pPr>
+            <a:r>
+              <a:rPr lang="pt-BR" dirty="0" err="1"/>
+              <a:t>Bézier</a:t>
+            </a:r>
+            <a:endParaRPr lang="pt-BR" dirty="0"/>
+          </a:p>
+          <a:p>
+            <a:pPr marL="285750" indent="-285750">
+              <a:buFont typeface="Wingdings" panose="05000000000000000000" pitchFamily="2" charset="2"/>
+              <a:buChar char="Ø"/>
+            </a:pPr>
+            <a:r>
+              <a:rPr lang="pt-BR" dirty="0"/>
+              <a:t>Elipse</a:t>
+            </a:r>
+          </a:p>
+          <a:p>
+            <a:pPr marL="285750" indent="-285750">
+              <a:buFont typeface="Wingdings" panose="05000000000000000000" pitchFamily="2" charset="2"/>
+              <a:buChar char="Ø"/>
+            </a:pPr>
+            <a:r>
+              <a:rPr lang="pt-BR" dirty="0"/>
+              <a:t>Ferramenta de preenchimento</a:t>
+            </a:r>
+          </a:p>
+          <a:p>
+            <a:pPr marL="285750" indent="-285750">
+              <a:buFont typeface="Wingdings" panose="05000000000000000000" pitchFamily="2" charset="2"/>
+              <a:buChar char="Ø"/>
+            </a:pPr>
+            <a:endParaRPr lang="pt-BR" dirty="0"/>
+          </a:p>
+          <a:p>
+            <a:pPr marL="285750" indent="-285750">
+              <a:buFont typeface="Wingdings" panose="05000000000000000000" pitchFamily="2" charset="2"/>
+              <a:buChar char="Ø"/>
+            </a:pPr>
+            <a:endParaRPr lang="pt-BR" dirty="0"/>
+          </a:p>
+          <a:p>
+            <a:pPr marL="285750" indent="-285750">
+              <a:buFont typeface="Wingdings" panose="05000000000000000000" pitchFamily="2" charset="2"/>
+              <a:buChar char="Ø"/>
+            </a:pPr>
+            <a:endParaRPr lang="pt-BR" dirty="0"/>
+          </a:p>
+        </p:txBody>
+      </p:sp>
       <p:pic>
         <p:nvPicPr>
-          <p:cNvPr id="5" name="Imagem 4">
+          <p:cNvPr id="3" name="Imagem 2">
             <a:extLst>
               <a:ext uri="{FF2B5EF4-FFF2-40B4-BE49-F238E27FC236}">
-                <a16:creationId xmlns:a16="http://schemas.microsoft.com/office/drawing/2014/main" id="{5528A530-D789-440E-BDC4-D2102E3F2353}"/>
+                <a16:creationId xmlns:a16="http://schemas.microsoft.com/office/drawing/2014/main" id="{28A1B8CF-461C-4B15-A36D-36C3C74650EA}"/>
               </a:ext>
             </a:extLst>
           </p:cNvPr>
@@ -6404,133 +6523,14 @@
         </p:blipFill>
         <p:spPr>
           <a:xfrm>
-            <a:off x="4100140" y="825417"/>
-            <a:ext cx="5257811" cy="5038354"/>
+            <a:off x="3840475" y="1426460"/>
+            <a:ext cx="4511049" cy="4005080"/>
           </a:xfrm>
           <a:prstGeom prst="rect">
             <a:avLst/>
           </a:prstGeom>
         </p:spPr>
       </p:pic>
-      <p:sp>
-        <p:nvSpPr>
-          <p:cNvPr id="6" name="CaixaDeTexto 5">
-            <a:extLst>
-              <a:ext uri="{FF2B5EF4-FFF2-40B4-BE49-F238E27FC236}">
-                <a16:creationId xmlns:a16="http://schemas.microsoft.com/office/drawing/2014/main" id="{F4CF12F5-A802-4341-8ABF-F026B6D9B7A7}"/>
-              </a:ext>
-            </a:extLst>
-          </p:cNvPr>
-          <p:cNvSpPr txBox="1"/>
-          <p:nvPr/>
-        </p:nvSpPr>
-        <p:spPr>
-          <a:xfrm>
-            <a:off x="450574" y="702365"/>
-            <a:ext cx="4055166" cy="400110"/>
-          </a:xfrm>
-          <a:prstGeom prst="rect">
-            <a:avLst/>
-          </a:prstGeom>
-          <a:noFill/>
-        </p:spPr>
-        <p:txBody>
-          <a:bodyPr wrap="square" rtlCol="0">
-            <a:spAutoFit/>
-          </a:bodyPr>
-          <a:lstStyle/>
-          <a:p>
-            <a:r>
-              <a:rPr lang="pt-BR" sz="2000" b="1" dirty="0">
-                <a:latin typeface="Arial" panose="020B0604020202020204" pitchFamily="34" charset="0"/>
-                <a:cs typeface="Arial" panose="020B0604020202020204" pitchFamily="34" charset="0"/>
-              </a:rPr>
-              <a:t>6° Jarra</a:t>
-            </a:r>
-          </a:p>
-        </p:txBody>
-      </p:sp>
-      <p:sp>
-        <p:nvSpPr>
-          <p:cNvPr id="7" name="CaixaDeTexto 6">
-            <a:extLst>
-              <a:ext uri="{FF2B5EF4-FFF2-40B4-BE49-F238E27FC236}">
-                <a16:creationId xmlns:a16="http://schemas.microsoft.com/office/drawing/2014/main" id="{62D1D5EA-D5F0-4779-B575-F3416DEAFF3D}"/>
-              </a:ext>
-            </a:extLst>
-          </p:cNvPr>
-          <p:cNvSpPr txBox="1"/>
-          <p:nvPr/>
-        </p:nvSpPr>
-        <p:spPr>
-          <a:xfrm>
-            <a:off x="609599" y="1855304"/>
-            <a:ext cx="2372140" cy="2031325"/>
-          </a:xfrm>
-          <a:prstGeom prst="rect">
-            <a:avLst/>
-          </a:prstGeom>
-          <a:noFill/>
-        </p:spPr>
-        <p:txBody>
-          <a:bodyPr wrap="square" rtlCol="0">
-            <a:spAutoFit/>
-          </a:bodyPr>
-          <a:lstStyle/>
-          <a:p>
-            <a:pPr marL="285750" indent="-285750">
-              <a:buFont typeface="Wingdings" panose="05000000000000000000" pitchFamily="2" charset="2"/>
-              <a:buChar char="Ø"/>
-            </a:pPr>
-            <a:r>
-              <a:rPr lang="pt-BR" dirty="0" err="1"/>
-              <a:t>Bézier</a:t>
-            </a:r>
-            <a:endParaRPr lang="pt-BR" dirty="0"/>
-          </a:p>
-          <a:p>
-            <a:pPr marL="285750" indent="-285750">
-              <a:buFont typeface="Wingdings" panose="05000000000000000000" pitchFamily="2" charset="2"/>
-              <a:buChar char="Ø"/>
-            </a:pPr>
-            <a:r>
-              <a:rPr lang="pt-BR" dirty="0"/>
-              <a:t>Elipse</a:t>
-            </a:r>
-          </a:p>
-          <a:p>
-            <a:pPr marL="285750" indent="-285750">
-              <a:buFont typeface="Wingdings" panose="05000000000000000000" pitchFamily="2" charset="2"/>
-              <a:buChar char="Ø"/>
-            </a:pPr>
-            <a:r>
-              <a:rPr lang="pt-BR" dirty="0"/>
-              <a:t>Ferramenta de preenchimento</a:t>
-            </a:r>
-          </a:p>
-          <a:p>
-            <a:pPr marL="285750" indent="-285750">
-              <a:buFont typeface="Wingdings" panose="05000000000000000000" pitchFamily="2" charset="2"/>
-              <a:buChar char="Ø"/>
-            </a:pPr>
-            <a:endParaRPr lang="pt-BR" dirty="0"/>
-          </a:p>
-          <a:p>
-            <a:pPr marL="285750" indent="-285750">
-              <a:buFont typeface="Wingdings" panose="05000000000000000000" pitchFamily="2" charset="2"/>
-              <a:buChar char="Ø"/>
-            </a:pPr>
-            <a:endParaRPr lang="pt-BR" dirty="0"/>
-          </a:p>
-          <a:p>
-            <a:pPr marL="285750" indent="-285750">
-              <a:buFont typeface="Wingdings" panose="05000000000000000000" pitchFamily="2" charset="2"/>
-              <a:buChar char="Ø"/>
-            </a:pPr>
-            <a:endParaRPr lang="pt-BR" dirty="0"/>
-          </a:p>
-        </p:txBody>
-      </p:sp>
     </p:spTree>
     <p:extLst>
       <p:ext uri="{BB962C8B-B14F-4D97-AF65-F5344CB8AC3E}">
